--- a/DOCUMENTACION/3ª Iteracion/Presentacion Proyecto Tabla Periodica 3ªIteracion.pptx
+++ b/DOCUMENTACION/3ª Iteracion/Presentacion Proyecto Tabla Periodica 3ªIteracion.pptx
@@ -261,7 +261,7 @@
           <a:p>
             <a:fld id="{B640F3D4-8844-4B8C-A01E-8C0CFB6B25B5}" type="datetimeFigureOut">
               <a:rPr lang="es-ES" smtClean="0"/>
-              <a:t>03/06/2019</a:t>
+              <a:t>07/06/2019</a:t>
             </a:fld>
             <a:endParaRPr lang="es-ES"/>
           </a:p>
@@ -459,7 +459,7 @@
           <a:p>
             <a:fld id="{B640F3D4-8844-4B8C-A01E-8C0CFB6B25B5}" type="datetimeFigureOut">
               <a:rPr lang="es-ES" smtClean="0"/>
-              <a:t>03/06/2019</a:t>
+              <a:t>07/06/2019</a:t>
             </a:fld>
             <a:endParaRPr lang="es-ES"/>
           </a:p>
@@ -667,7 +667,7 @@
           <a:p>
             <a:fld id="{B640F3D4-8844-4B8C-A01E-8C0CFB6B25B5}" type="datetimeFigureOut">
               <a:rPr lang="es-ES" smtClean="0"/>
-              <a:t>03/06/2019</a:t>
+              <a:t>07/06/2019</a:t>
             </a:fld>
             <a:endParaRPr lang="es-ES"/>
           </a:p>
@@ -865,7 +865,7 @@
           <a:p>
             <a:fld id="{B640F3D4-8844-4B8C-A01E-8C0CFB6B25B5}" type="datetimeFigureOut">
               <a:rPr lang="es-ES" smtClean="0"/>
-              <a:t>03/06/2019</a:t>
+              <a:t>07/06/2019</a:t>
             </a:fld>
             <a:endParaRPr lang="es-ES"/>
           </a:p>
@@ -1140,7 +1140,7 @@
           <a:p>
             <a:fld id="{B640F3D4-8844-4B8C-A01E-8C0CFB6B25B5}" type="datetimeFigureOut">
               <a:rPr lang="es-ES" smtClean="0"/>
-              <a:t>03/06/2019</a:t>
+              <a:t>07/06/2019</a:t>
             </a:fld>
             <a:endParaRPr lang="es-ES"/>
           </a:p>
@@ -1405,7 +1405,7 @@
           <a:p>
             <a:fld id="{B640F3D4-8844-4B8C-A01E-8C0CFB6B25B5}" type="datetimeFigureOut">
               <a:rPr lang="es-ES" smtClean="0"/>
-              <a:t>03/06/2019</a:t>
+              <a:t>07/06/2019</a:t>
             </a:fld>
             <a:endParaRPr lang="es-ES"/>
           </a:p>
@@ -1817,7 +1817,7 @@
           <a:p>
             <a:fld id="{B640F3D4-8844-4B8C-A01E-8C0CFB6B25B5}" type="datetimeFigureOut">
               <a:rPr lang="es-ES" smtClean="0"/>
-              <a:t>03/06/2019</a:t>
+              <a:t>07/06/2019</a:t>
             </a:fld>
             <a:endParaRPr lang="es-ES"/>
           </a:p>
@@ -1958,7 +1958,7 @@
           <a:p>
             <a:fld id="{B640F3D4-8844-4B8C-A01E-8C0CFB6B25B5}" type="datetimeFigureOut">
               <a:rPr lang="es-ES" smtClean="0"/>
-              <a:t>03/06/2019</a:t>
+              <a:t>07/06/2019</a:t>
             </a:fld>
             <a:endParaRPr lang="es-ES"/>
           </a:p>
@@ -2071,7 +2071,7 @@
           <a:p>
             <a:fld id="{B640F3D4-8844-4B8C-A01E-8C0CFB6B25B5}" type="datetimeFigureOut">
               <a:rPr lang="es-ES" smtClean="0"/>
-              <a:t>03/06/2019</a:t>
+              <a:t>07/06/2019</a:t>
             </a:fld>
             <a:endParaRPr lang="es-ES"/>
           </a:p>
@@ -2382,7 +2382,7 @@
           <a:p>
             <a:fld id="{B640F3D4-8844-4B8C-A01E-8C0CFB6B25B5}" type="datetimeFigureOut">
               <a:rPr lang="es-ES" smtClean="0"/>
-              <a:t>03/06/2019</a:t>
+              <a:t>07/06/2019</a:t>
             </a:fld>
             <a:endParaRPr lang="es-ES"/>
           </a:p>
@@ -2670,7 +2670,7 @@
           <a:p>
             <a:fld id="{B640F3D4-8844-4B8C-A01E-8C0CFB6B25B5}" type="datetimeFigureOut">
               <a:rPr lang="es-ES" smtClean="0"/>
-              <a:t>03/06/2019</a:t>
+              <a:t>07/06/2019</a:t>
             </a:fld>
             <a:endParaRPr lang="es-ES"/>
           </a:p>
@@ -2911,7 +2911,7 @@
           <a:p>
             <a:fld id="{B640F3D4-8844-4B8C-A01E-8C0CFB6B25B5}" type="datetimeFigureOut">
               <a:rPr lang="es-ES" smtClean="0"/>
-              <a:t>03/06/2019</a:t>
+              <a:t>07/06/2019</a:t>
             </a:fld>
             <a:endParaRPr lang="es-ES"/>
           </a:p>
@@ -4381,10 +4381,10 @@
       </p:grpSp>
       <p:grpSp>
         <p:nvGrpSpPr>
-          <p:cNvPr id="86" name="Grupo 85">
+          <p:cNvPr id="8" name="Grupo 7">
             <a:extLst>
               <a:ext uri="{FF2B5EF4-FFF2-40B4-BE49-F238E27FC236}">
-                <a16:creationId xmlns:a16="http://schemas.microsoft.com/office/drawing/2014/main" id="{31A7A5BE-5F29-4EE3-A5EA-517ABCB96F1C}"/>
+                <a16:creationId xmlns:a16="http://schemas.microsoft.com/office/drawing/2014/main" id="{1073248C-0362-44C3-90C0-EE6B4B22F8FC}"/>
               </a:ext>
             </a:extLst>
           </p:cNvPr>
@@ -4393,18 +4393,18 @@
         </p:nvGrpSpPr>
         <p:grpSpPr>
           <a:xfrm>
-            <a:off x="1333810" y="2045084"/>
-            <a:ext cx="9369821" cy="4276613"/>
-            <a:chOff x="1333810" y="2045084"/>
-            <a:chExt cx="9369821" cy="4276613"/>
+            <a:off x="1785936" y="1645227"/>
+            <a:ext cx="8620125" cy="5076826"/>
+            <a:chOff x="1427928" y="-326641"/>
+            <a:chExt cx="9369821" cy="5925836"/>
           </a:xfrm>
         </p:grpSpPr>
         <p:grpSp>
           <p:nvGrpSpPr>
-            <p:cNvPr id="74" name="Grupo 73">
+            <p:cNvPr id="7" name="Grupo 6">
               <a:extLst>
                 <a:ext uri="{FF2B5EF4-FFF2-40B4-BE49-F238E27FC236}">
-                  <a16:creationId xmlns:a16="http://schemas.microsoft.com/office/drawing/2014/main" id="{6E0EC0A7-A4DE-4800-A612-B5912D8EFB12}"/>
+                  <a16:creationId xmlns:a16="http://schemas.microsoft.com/office/drawing/2014/main" id="{A065B50F-E4A4-4F3D-902A-4D4D4C45F507}"/>
                 </a:ext>
               </a:extLst>
             </p:cNvPr>
@@ -4413,18 +4413,18 @@
           </p:nvGrpSpPr>
           <p:grpSpPr>
             <a:xfrm>
-              <a:off x="1333810" y="2045084"/>
-              <a:ext cx="9369821" cy="4276613"/>
-              <a:chOff x="1333810" y="2045084"/>
-              <a:chExt cx="9369821" cy="4276613"/>
+              <a:off x="1427928" y="-326641"/>
+              <a:ext cx="9369821" cy="5925836"/>
+              <a:chOff x="1495735" y="-374266"/>
+              <a:chExt cx="9369821" cy="5925836"/>
             </a:xfrm>
           </p:grpSpPr>
           <p:grpSp>
             <p:nvGrpSpPr>
-              <p:cNvPr id="65" name="Grupo 64">
+              <p:cNvPr id="5" name="Grupo 4">
                 <a:extLst>
                   <a:ext uri="{FF2B5EF4-FFF2-40B4-BE49-F238E27FC236}">
-                    <a16:creationId xmlns:a16="http://schemas.microsoft.com/office/drawing/2014/main" id="{331F8AD1-1B8E-4D4F-9C23-B4F05B7D32C6}"/>
+                    <a16:creationId xmlns:a16="http://schemas.microsoft.com/office/drawing/2014/main" id="{7FF6316A-DA93-4229-85C9-7D5FCF5EDDC9}"/>
                   </a:ext>
                 </a:extLst>
               </p:cNvPr>
@@ -4433,53 +4433,18 @@
             </p:nvGrpSpPr>
             <p:grpSpPr>
               <a:xfrm>
-                <a:off x="1488366" y="2045084"/>
-                <a:ext cx="9215265" cy="3787907"/>
-                <a:chOff x="451930" y="2231696"/>
-                <a:chExt cx="9215265" cy="3787907"/>
+                <a:off x="1495735" y="-374266"/>
+                <a:ext cx="9369821" cy="4276613"/>
+                <a:chOff x="1333810" y="2045084"/>
+                <a:chExt cx="9369821" cy="4276613"/>
               </a:xfrm>
             </p:grpSpPr>
-            <p:pic>
-              <p:nvPicPr>
-                <p:cNvPr id="50" name="Imagen 49" descr="Imagen que contiene electrónica&#10;&#10;Descripción generada automáticamente">
+            <p:grpSp>
+              <p:nvGrpSpPr>
+                <p:cNvPr id="86" name="Grupo 85">
                   <a:extLst>
                     <a:ext uri="{FF2B5EF4-FFF2-40B4-BE49-F238E27FC236}">
-                      <a16:creationId xmlns:a16="http://schemas.microsoft.com/office/drawing/2014/main" id="{3FEF77FA-C7CC-4B95-BA86-2568C9B8D457}"/>
-                    </a:ext>
-                  </a:extLst>
-                </p:cNvPr>
-                <p:cNvPicPr>
-                  <a:picLocks noChangeAspect="1"/>
-                </p:cNvPicPr>
-                <p:nvPr/>
-              </p:nvPicPr>
-              <p:blipFill rotWithShape="1">
-                <a:blip r:embed="rId2">
-                  <a:extLst>
-                    <a:ext uri="{28A0092B-C50C-407E-A947-70E740481C1C}">
-                      <a14:useLocalDpi xmlns:a14="http://schemas.microsoft.com/office/drawing/2010/main" val="0"/>
-                    </a:ext>
-                  </a:extLst>
-                </a:blip>
-                <a:srcRect l="3968" t="29252" r="5555" b="30340"/>
-                <a:stretch/>
-              </p:blipFill>
-              <p:spPr>
-                <a:xfrm>
-                  <a:off x="7745090" y="4646357"/>
-                  <a:ext cx="1922105" cy="858443"/>
-                </a:xfrm>
-                <a:prstGeom prst="rect">
-                  <a:avLst/>
-                </a:prstGeom>
-              </p:spPr>
-            </p:pic>
-            <p:grpSp>
-              <p:nvGrpSpPr>
-                <p:cNvPr id="63" name="Grupo 62">
-                  <a:extLst>
-                    <a:ext uri="{FF2B5EF4-FFF2-40B4-BE49-F238E27FC236}">
-                      <a16:creationId xmlns:a16="http://schemas.microsoft.com/office/drawing/2014/main" id="{02154946-B7DC-4C19-9A8E-32FA3367D05A}"/>
+                      <a16:creationId xmlns:a16="http://schemas.microsoft.com/office/drawing/2014/main" id="{31A7A5BE-5F29-4EE3-A5EA-517ABCB96F1C}"/>
                     </a:ext>
                   </a:extLst>
                 </p:cNvPr>
@@ -4488,18 +4453,18 @@
               </p:nvGrpSpPr>
               <p:grpSpPr>
                 <a:xfrm>
-                  <a:off x="451930" y="2231696"/>
-                  <a:ext cx="6252384" cy="3787907"/>
-                  <a:chOff x="451930" y="2231696"/>
-                  <a:chExt cx="6252384" cy="3787907"/>
+                  <a:off x="1333810" y="2045084"/>
+                  <a:ext cx="9369821" cy="4276613"/>
+                  <a:chOff x="1333810" y="2045084"/>
+                  <a:chExt cx="9369821" cy="4276613"/>
                 </a:xfrm>
               </p:grpSpPr>
               <p:grpSp>
                 <p:nvGrpSpPr>
-                  <p:cNvPr id="61" name="Grupo 60">
+                  <p:cNvPr id="74" name="Grupo 73">
                     <a:extLst>
                       <a:ext uri="{FF2B5EF4-FFF2-40B4-BE49-F238E27FC236}">
-                        <a16:creationId xmlns:a16="http://schemas.microsoft.com/office/drawing/2014/main" id="{9DAC19A4-27DC-41B9-AFF4-8E9307BD517C}"/>
+                        <a16:creationId xmlns:a16="http://schemas.microsoft.com/office/drawing/2014/main" id="{6E0EC0A7-A4DE-4800-A612-B5912D8EFB12}"/>
                       </a:ext>
                     </a:extLst>
                   </p:cNvPr>
@@ -4508,18 +4473,18 @@
                 </p:nvGrpSpPr>
                 <p:grpSpPr>
                   <a:xfrm>
-                    <a:off x="451930" y="2231696"/>
-                    <a:ext cx="6252384" cy="3787907"/>
-                    <a:chOff x="451930" y="2278349"/>
-                    <a:chExt cx="6252384" cy="3787907"/>
+                    <a:off x="1333810" y="2045084"/>
+                    <a:ext cx="9369821" cy="4276613"/>
+                    <a:chOff x="1333810" y="2045084"/>
+                    <a:chExt cx="9369821" cy="4276613"/>
                   </a:xfrm>
                 </p:grpSpPr>
                 <p:grpSp>
                   <p:nvGrpSpPr>
-                    <p:cNvPr id="57" name="Grupo 56">
+                    <p:cNvPr id="65" name="Grupo 64">
                       <a:extLst>
                         <a:ext uri="{FF2B5EF4-FFF2-40B4-BE49-F238E27FC236}">
-                          <a16:creationId xmlns:a16="http://schemas.microsoft.com/office/drawing/2014/main" id="{6331971B-94C3-41E5-8F24-0FDECC2CFADE}"/>
+                          <a16:creationId xmlns:a16="http://schemas.microsoft.com/office/drawing/2014/main" id="{331F8AD1-1B8E-4D4F-9C23-B4F05B7D32C6}"/>
                         </a:ext>
                       </a:extLst>
                     </p:cNvPr>
@@ -4528,54 +4493,18 @@
                   </p:nvGrpSpPr>
                   <p:grpSpPr>
                     <a:xfrm>
-                      <a:off x="451930" y="4202468"/>
-                      <a:ext cx="4690023" cy="1863788"/>
-                      <a:chOff x="381778" y="3429000"/>
-                      <a:chExt cx="4690023" cy="1863788"/>
+                      <a:off x="1488366" y="2045084"/>
+                      <a:ext cx="9215265" cy="3787907"/>
+                      <a:chOff x="451930" y="2231696"/>
+                      <a:chExt cx="9215265" cy="3787907"/>
                     </a:xfrm>
                   </p:grpSpPr>
                   <p:pic>
                     <p:nvPicPr>
-                      <p:cNvPr id="37" name="Imagen 36" descr="Imagen que contiene electrónica, circuito&#10;&#10;Descripción generada automáticamente">
+                      <p:cNvPr id="50" name="Imagen 49" descr="Imagen que contiene electrónica&#10;&#10;Descripción generada automáticamente">
                         <a:extLst>
                           <a:ext uri="{FF2B5EF4-FFF2-40B4-BE49-F238E27FC236}">
-                            <a16:creationId xmlns:a16="http://schemas.microsoft.com/office/drawing/2014/main" id="{5F064DB3-D304-49A1-AE3C-694154163270}"/>
-                          </a:ext>
-                        </a:extLst>
-                      </p:cNvPr>
-                      <p:cNvPicPr>
-                        <a:picLocks noChangeAspect="1"/>
-                      </p:cNvPicPr>
-                      <p:nvPr/>
-                    </p:nvPicPr>
-                    <p:blipFill>
-                      <a:blip r:embed="rId3">
-                        <a:extLst>
-                          <a:ext uri="{28A0092B-C50C-407E-A947-70E740481C1C}">
-                            <a14:useLocalDpi xmlns:a14="http://schemas.microsoft.com/office/drawing/2010/main" val="0"/>
-                          </a:ext>
-                        </a:extLst>
-                      </a:blip>
-                      <a:stretch>
-                        <a:fillRect/>
-                      </a:stretch>
-                    </p:blipFill>
-                    <p:spPr>
-                      <a:xfrm>
-                        <a:off x="2939573" y="3791599"/>
-                        <a:ext cx="1530197" cy="1083890"/>
-                      </a:xfrm>
-                      <a:prstGeom prst="rect">
-                        <a:avLst/>
-                      </a:prstGeom>
-                    </p:spPr>
-                  </p:pic>
-                  <p:pic>
-                    <p:nvPicPr>
-                      <p:cNvPr id="42" name="Imagen 41">
-                        <a:extLst>
-                          <a:ext uri="{FF2B5EF4-FFF2-40B4-BE49-F238E27FC236}">
-                            <a16:creationId xmlns:a16="http://schemas.microsoft.com/office/drawing/2014/main" id="{414B5630-82B7-48F7-A010-F190C7EFCBC6}"/>
+                            <a16:creationId xmlns:a16="http://schemas.microsoft.com/office/drawing/2014/main" id="{3FEF77FA-C7CC-4B95-BA86-2568C9B8D457}"/>
                           </a:ext>
                         </a:extLst>
                       </p:cNvPr>
@@ -4585,68 +4514,479 @@
                       <p:nvPr/>
                     </p:nvPicPr>
                     <p:blipFill rotWithShape="1">
-                      <a:blip r:embed="rId4">
+                      <a:blip r:embed="rId2">
                         <a:extLst>
                           <a:ext uri="{28A0092B-C50C-407E-A947-70E740481C1C}">
                             <a14:useLocalDpi xmlns:a14="http://schemas.microsoft.com/office/drawing/2010/main" val="0"/>
                           </a:ext>
                         </a:extLst>
                       </a:blip>
-                      <a:srcRect l="30233" t="5021" r="31932" b="7469"/>
+                      <a:srcRect l="3968" t="29252" r="5555" b="30340"/>
                       <a:stretch/>
                     </p:blipFill>
                     <p:spPr>
                       <a:xfrm>
-                        <a:off x="1536616" y="3429000"/>
-                        <a:ext cx="805820" cy="1863788"/>
+                        <a:off x="7745090" y="4646357"/>
+                        <a:ext cx="1922105" cy="858443"/>
                       </a:xfrm>
                       <a:prstGeom prst="rect">
                         <a:avLst/>
                       </a:prstGeom>
                     </p:spPr>
                   </p:pic>
-                  <p:pic>
-                    <p:nvPicPr>
-                      <p:cNvPr id="48" name="Imagen 47">
+                  <p:grpSp>
+                    <p:nvGrpSpPr>
+                      <p:cNvPr id="63" name="Grupo 62">
                         <a:extLst>
                           <a:ext uri="{FF2B5EF4-FFF2-40B4-BE49-F238E27FC236}">
-                            <a16:creationId xmlns:a16="http://schemas.microsoft.com/office/drawing/2014/main" id="{A5DC6F1F-0220-42AF-A822-D4EE496F759D}"/>
+                            <a16:creationId xmlns:a16="http://schemas.microsoft.com/office/drawing/2014/main" id="{02154946-B7DC-4C19-9A8E-32FA3367D05A}"/>
                           </a:ext>
                         </a:extLst>
                       </p:cNvPr>
-                      <p:cNvPicPr>
-                        <a:picLocks noChangeAspect="1"/>
-                      </p:cNvPicPr>
+                      <p:cNvGrpSpPr/>
                       <p:nvPr/>
-                    </p:nvPicPr>
-                    <p:blipFill>
-                      <a:blip r:embed="rId5">
-                        <a:extLst>
-                          <a:ext uri="{28A0092B-C50C-407E-A947-70E740481C1C}">
-                            <a14:useLocalDpi xmlns:a14="http://schemas.microsoft.com/office/drawing/2010/main" val="0"/>
-                          </a:ext>
-                        </a:extLst>
-                      </a:blip>
-                      <a:stretch>
-                        <a:fillRect/>
-                      </a:stretch>
-                    </p:blipFill>
-                    <p:spPr>
+                    </p:nvGrpSpPr>
+                    <p:grpSpPr>
                       <a:xfrm>
-                        <a:off x="381778" y="4049488"/>
-                        <a:ext cx="558281" cy="558281"/>
+                        <a:off x="451930" y="2231696"/>
+                        <a:ext cx="6252384" cy="3787907"/>
+                        <a:chOff x="451930" y="2231696"/>
+                        <a:chExt cx="6252384" cy="3787907"/>
                       </a:xfrm>
-                      <a:prstGeom prst="rect">
-                        <a:avLst/>
-                      </a:prstGeom>
-                    </p:spPr>
-                  </p:pic>
+                    </p:grpSpPr>
+                    <p:grpSp>
+                      <p:nvGrpSpPr>
+                        <p:cNvPr id="61" name="Grupo 60">
+                          <a:extLst>
+                            <a:ext uri="{FF2B5EF4-FFF2-40B4-BE49-F238E27FC236}">
+                              <a16:creationId xmlns:a16="http://schemas.microsoft.com/office/drawing/2014/main" id="{9DAC19A4-27DC-41B9-AFF4-8E9307BD517C}"/>
+                            </a:ext>
+                          </a:extLst>
+                        </p:cNvPr>
+                        <p:cNvGrpSpPr/>
+                        <p:nvPr/>
+                      </p:nvGrpSpPr>
+                      <p:grpSpPr>
+                        <a:xfrm>
+                          <a:off x="451930" y="2231696"/>
+                          <a:ext cx="6252384" cy="3787907"/>
+                          <a:chOff x="451930" y="2278349"/>
+                          <a:chExt cx="6252384" cy="3787907"/>
+                        </a:xfrm>
+                      </p:grpSpPr>
+                      <p:grpSp>
+                        <p:nvGrpSpPr>
+                          <p:cNvPr id="57" name="Grupo 56">
+                            <a:extLst>
+                              <a:ext uri="{FF2B5EF4-FFF2-40B4-BE49-F238E27FC236}">
+                                <a16:creationId xmlns:a16="http://schemas.microsoft.com/office/drawing/2014/main" id="{6331971B-94C3-41E5-8F24-0FDECC2CFADE}"/>
+                              </a:ext>
+                            </a:extLst>
+                          </p:cNvPr>
+                          <p:cNvGrpSpPr/>
+                          <p:nvPr/>
+                        </p:nvGrpSpPr>
+                        <p:grpSpPr>
+                          <a:xfrm>
+                            <a:off x="451930" y="4202468"/>
+                            <a:ext cx="4690023" cy="1863788"/>
+                            <a:chOff x="381778" y="3429000"/>
+                            <a:chExt cx="4690023" cy="1863788"/>
+                          </a:xfrm>
+                        </p:grpSpPr>
+                        <p:pic>
+                          <p:nvPicPr>
+                            <p:cNvPr id="37" name="Imagen 36" descr="Imagen que contiene electrónica, circuito&#10;&#10;Descripción generada automáticamente">
+                              <a:extLst>
+                                <a:ext uri="{FF2B5EF4-FFF2-40B4-BE49-F238E27FC236}">
+                                  <a16:creationId xmlns:a16="http://schemas.microsoft.com/office/drawing/2014/main" id="{5F064DB3-D304-49A1-AE3C-694154163270}"/>
+                                </a:ext>
+                              </a:extLst>
+                            </p:cNvPr>
+                            <p:cNvPicPr>
+                              <a:picLocks noChangeAspect="1"/>
+                            </p:cNvPicPr>
+                            <p:nvPr/>
+                          </p:nvPicPr>
+                          <p:blipFill>
+                            <a:blip r:embed="rId3">
+                              <a:extLst>
+                                <a:ext uri="{28A0092B-C50C-407E-A947-70E740481C1C}">
+                                  <a14:useLocalDpi xmlns:a14="http://schemas.microsoft.com/office/drawing/2010/main" val="0"/>
+                                </a:ext>
+                              </a:extLst>
+                            </a:blip>
+                            <a:stretch>
+                              <a:fillRect/>
+                            </a:stretch>
+                          </p:blipFill>
+                          <p:spPr>
+                            <a:xfrm>
+                              <a:off x="2939573" y="3791599"/>
+                              <a:ext cx="1530197" cy="1083890"/>
+                            </a:xfrm>
+                            <a:prstGeom prst="rect">
+                              <a:avLst/>
+                            </a:prstGeom>
+                          </p:spPr>
+                        </p:pic>
+                        <p:pic>
+                          <p:nvPicPr>
+                            <p:cNvPr id="42" name="Imagen 41">
+                              <a:extLst>
+                                <a:ext uri="{FF2B5EF4-FFF2-40B4-BE49-F238E27FC236}">
+                                  <a16:creationId xmlns:a16="http://schemas.microsoft.com/office/drawing/2014/main" id="{414B5630-82B7-48F7-A010-F190C7EFCBC6}"/>
+                                </a:ext>
+                              </a:extLst>
+                            </p:cNvPr>
+                            <p:cNvPicPr>
+                              <a:picLocks noChangeAspect="1"/>
+                            </p:cNvPicPr>
+                            <p:nvPr/>
+                          </p:nvPicPr>
+                          <p:blipFill rotWithShape="1">
+                            <a:blip r:embed="rId4">
+                              <a:extLst>
+                                <a:ext uri="{28A0092B-C50C-407E-A947-70E740481C1C}">
+                                  <a14:useLocalDpi xmlns:a14="http://schemas.microsoft.com/office/drawing/2010/main" val="0"/>
+                                </a:ext>
+                              </a:extLst>
+                            </a:blip>
+                            <a:srcRect l="30233" t="5021" r="31932" b="7469"/>
+                            <a:stretch/>
+                          </p:blipFill>
+                          <p:spPr>
+                            <a:xfrm>
+                              <a:off x="1536616" y="3429000"/>
+                              <a:ext cx="805820" cy="1863788"/>
+                            </a:xfrm>
+                            <a:prstGeom prst="rect">
+                              <a:avLst/>
+                            </a:prstGeom>
+                          </p:spPr>
+                        </p:pic>
+                        <p:pic>
+                          <p:nvPicPr>
+                            <p:cNvPr id="48" name="Imagen 47">
+                              <a:extLst>
+                                <a:ext uri="{FF2B5EF4-FFF2-40B4-BE49-F238E27FC236}">
+                                  <a16:creationId xmlns:a16="http://schemas.microsoft.com/office/drawing/2014/main" id="{A5DC6F1F-0220-42AF-A822-D4EE496F759D}"/>
+                                </a:ext>
+                              </a:extLst>
+                            </p:cNvPr>
+                            <p:cNvPicPr>
+                              <a:picLocks noChangeAspect="1"/>
+                            </p:cNvPicPr>
+                            <p:nvPr/>
+                          </p:nvPicPr>
+                          <p:blipFill>
+                            <a:blip r:embed="rId5">
+                              <a:extLst>
+                                <a:ext uri="{28A0092B-C50C-407E-A947-70E740481C1C}">
+                                  <a14:useLocalDpi xmlns:a14="http://schemas.microsoft.com/office/drawing/2010/main" val="0"/>
+                                </a:ext>
+                              </a:extLst>
+                            </a:blip>
+                            <a:stretch>
+                              <a:fillRect/>
+                            </a:stretch>
+                          </p:blipFill>
+                          <p:spPr>
+                            <a:xfrm>
+                              <a:off x="381778" y="4049488"/>
+                              <a:ext cx="558281" cy="558281"/>
+                            </a:xfrm>
+                            <a:prstGeom prst="rect">
+                              <a:avLst/>
+                            </a:prstGeom>
+                          </p:spPr>
+                        </p:pic>
+                        <p:cxnSp>
+                          <p:nvCxnSpPr>
+                            <p:cNvPr id="52" name="Conector recto de flecha 51">
+                              <a:extLst>
+                                <a:ext uri="{FF2B5EF4-FFF2-40B4-BE49-F238E27FC236}">
+                                  <a16:creationId xmlns:a16="http://schemas.microsoft.com/office/drawing/2014/main" id="{1BAB83FD-1D9A-4A2C-B6BF-52D5CCEE7C1C}"/>
+                                </a:ext>
+                              </a:extLst>
+                            </p:cNvPr>
+                            <p:cNvCxnSpPr>
+                              <a:cxnSpLocks/>
+                            </p:cNvCxnSpPr>
+                            <p:nvPr/>
+                          </p:nvCxnSpPr>
+                          <p:spPr>
+                            <a:xfrm>
+                              <a:off x="940059" y="4326936"/>
+                              <a:ext cx="578475" cy="0"/>
+                            </a:xfrm>
+                            <a:prstGeom prst="straightConnector1">
+                              <a:avLst/>
+                            </a:prstGeom>
+                            <a:ln w="38100">
+                              <a:solidFill>
+                                <a:schemeClr val="tx1"/>
+                              </a:solidFill>
+                              <a:tailEnd type="triangle"/>
+                            </a:ln>
+                          </p:spPr>
+                          <p:style>
+                            <a:lnRef idx="1">
+                              <a:schemeClr val="accent1"/>
+                            </a:lnRef>
+                            <a:fillRef idx="0">
+                              <a:schemeClr val="accent1"/>
+                            </a:fillRef>
+                            <a:effectRef idx="0">
+                              <a:schemeClr val="accent1"/>
+                            </a:effectRef>
+                            <a:fontRef idx="minor">
+                              <a:schemeClr val="tx1"/>
+                            </a:fontRef>
+                          </p:style>
+                        </p:cxnSp>
+                        <p:cxnSp>
+                          <p:nvCxnSpPr>
+                            <p:cNvPr id="55" name="Conector recto de flecha 54">
+                              <a:extLst>
+                                <a:ext uri="{FF2B5EF4-FFF2-40B4-BE49-F238E27FC236}">
+                                  <a16:creationId xmlns:a16="http://schemas.microsoft.com/office/drawing/2014/main" id="{28BB03B6-5BDC-4A87-8EC8-87F51B690C30}"/>
+                                </a:ext>
+                              </a:extLst>
+                            </p:cNvPr>
+                            <p:cNvCxnSpPr>
+                              <a:cxnSpLocks/>
+                            </p:cNvCxnSpPr>
+                            <p:nvPr/>
+                          </p:nvCxnSpPr>
+                          <p:spPr>
+                            <a:xfrm>
+                              <a:off x="2389090" y="4333544"/>
+                              <a:ext cx="578475" cy="0"/>
+                            </a:xfrm>
+                            <a:prstGeom prst="straightConnector1">
+                              <a:avLst/>
+                            </a:prstGeom>
+                            <a:ln w="38100">
+                              <a:solidFill>
+                                <a:schemeClr val="tx1"/>
+                              </a:solidFill>
+                              <a:tailEnd type="triangle"/>
+                            </a:ln>
+                          </p:spPr>
+                          <p:style>
+                            <a:lnRef idx="1">
+                              <a:schemeClr val="accent1"/>
+                            </a:lnRef>
+                            <a:fillRef idx="0">
+                              <a:schemeClr val="accent1"/>
+                            </a:fillRef>
+                            <a:effectRef idx="0">
+                              <a:schemeClr val="accent1"/>
+                            </a:effectRef>
+                            <a:fontRef idx="minor">
+                              <a:schemeClr val="tx1"/>
+                            </a:fontRef>
+                          </p:style>
+                        </p:cxnSp>
+                        <p:cxnSp>
+                          <p:nvCxnSpPr>
+                            <p:cNvPr id="56" name="Conector recto de flecha 55">
+                              <a:extLst>
+                                <a:ext uri="{FF2B5EF4-FFF2-40B4-BE49-F238E27FC236}">
+                                  <a16:creationId xmlns:a16="http://schemas.microsoft.com/office/drawing/2014/main" id="{32E4C17F-25A3-4B3A-9080-D249C58865C8}"/>
+                                </a:ext>
+                              </a:extLst>
+                            </p:cNvPr>
+                            <p:cNvCxnSpPr>
+                              <a:cxnSpLocks/>
+                            </p:cNvCxnSpPr>
+                            <p:nvPr/>
+                          </p:nvCxnSpPr>
+                          <p:spPr>
+                            <a:xfrm>
+                              <a:off x="4493326" y="4360894"/>
+                              <a:ext cx="578475" cy="0"/>
+                            </a:xfrm>
+                            <a:prstGeom prst="straightConnector1">
+                              <a:avLst/>
+                            </a:prstGeom>
+                            <a:ln w="38100">
+                              <a:solidFill>
+                                <a:schemeClr val="tx1"/>
+                              </a:solidFill>
+                              <a:tailEnd type="triangle"/>
+                            </a:ln>
+                          </p:spPr>
+                          <p:style>
+                            <a:lnRef idx="1">
+                              <a:schemeClr val="accent1"/>
+                            </a:lnRef>
+                            <a:fillRef idx="0">
+                              <a:schemeClr val="accent1"/>
+                            </a:fillRef>
+                            <a:effectRef idx="0">
+                              <a:schemeClr val="accent1"/>
+                            </a:effectRef>
+                            <a:fontRef idx="minor">
+                              <a:schemeClr val="tx1"/>
+                            </a:fontRef>
+                          </p:style>
+                        </p:cxnSp>
+                      </p:grpSp>
+                      <p:grpSp>
+                        <p:nvGrpSpPr>
+                          <p:cNvPr id="60" name="Grupo 59">
+                            <a:extLst>
+                              <a:ext uri="{FF2B5EF4-FFF2-40B4-BE49-F238E27FC236}">
+                                <a16:creationId xmlns:a16="http://schemas.microsoft.com/office/drawing/2014/main" id="{6267F050-1B4A-4965-9496-F091773547A6}"/>
+                              </a:ext>
+                            </a:extLst>
+                          </p:cNvPr>
+                          <p:cNvGrpSpPr/>
+                          <p:nvPr/>
+                        </p:nvGrpSpPr>
+                        <p:grpSpPr>
+                          <a:xfrm>
+                            <a:off x="5518747" y="2278349"/>
+                            <a:ext cx="1185567" cy="2286718"/>
+                            <a:chOff x="5518747" y="2278349"/>
+                            <a:chExt cx="1185567" cy="2286718"/>
+                          </a:xfrm>
+                        </p:grpSpPr>
+                        <p:pic>
+                          <p:nvPicPr>
+                            <p:cNvPr id="3" name="Imagen 2" descr="Imagen que contiene mobiliario&#10;&#10;Descripción generada automáticamente">
+                              <a:extLst>
+                                <a:ext uri="{FF2B5EF4-FFF2-40B4-BE49-F238E27FC236}">
+                                  <a16:creationId xmlns:a16="http://schemas.microsoft.com/office/drawing/2014/main" id="{13D58C1F-6B74-46FA-9201-4767B7217530}"/>
+                                </a:ext>
+                              </a:extLst>
+                            </p:cNvPr>
+                            <p:cNvPicPr>
+                              <a:picLocks noChangeAspect="1"/>
+                            </p:cNvPicPr>
+                            <p:nvPr/>
+                          </p:nvPicPr>
+                          <p:blipFill>
+                            <a:blip r:embed="rId6">
+                              <a:extLst>
+                                <a:ext uri="{28A0092B-C50C-407E-A947-70E740481C1C}">
+                                  <a14:useLocalDpi xmlns:a14="http://schemas.microsoft.com/office/drawing/2010/main" val="0"/>
+                                </a:ext>
+                              </a:extLst>
+                            </a:blip>
+                            <a:stretch>
+                              <a:fillRect/>
+                            </a:stretch>
+                          </p:blipFill>
+                          <p:spPr>
+                            <a:xfrm>
+                              <a:off x="5518747" y="2278349"/>
+                              <a:ext cx="1185567" cy="1667204"/>
+                            </a:xfrm>
+                            <a:prstGeom prst="rect">
+                              <a:avLst/>
+                            </a:prstGeom>
+                          </p:spPr>
+                        </p:pic>
+                        <p:cxnSp>
+                          <p:nvCxnSpPr>
+                            <p:cNvPr id="58" name="Conector recto de flecha 57">
+                              <a:extLst>
+                                <a:ext uri="{FF2B5EF4-FFF2-40B4-BE49-F238E27FC236}">
+                                  <a16:creationId xmlns:a16="http://schemas.microsoft.com/office/drawing/2014/main" id="{81A84FA0-F194-4215-BD8F-890C09B92737}"/>
+                                </a:ext>
+                              </a:extLst>
+                            </p:cNvPr>
+                            <p:cNvCxnSpPr>
+                              <a:cxnSpLocks/>
+                            </p:cNvCxnSpPr>
+                            <p:nvPr/>
+                          </p:nvCxnSpPr>
+                          <p:spPr>
+                            <a:xfrm flipV="1">
+                              <a:off x="5651264" y="3973546"/>
+                              <a:ext cx="0" cy="591521"/>
+                            </a:xfrm>
+                            <a:prstGeom prst="straightConnector1">
+                              <a:avLst/>
+                            </a:prstGeom>
+                            <a:ln w="38100">
+                              <a:solidFill>
+                                <a:schemeClr val="tx1"/>
+                              </a:solidFill>
+                              <a:tailEnd type="triangle"/>
+                            </a:ln>
+                          </p:spPr>
+                          <p:style>
+                            <a:lnRef idx="1">
+                              <a:schemeClr val="accent1"/>
+                            </a:lnRef>
+                            <a:fillRef idx="0">
+                              <a:schemeClr val="accent1"/>
+                            </a:fillRef>
+                            <a:effectRef idx="0">
+                              <a:schemeClr val="accent1"/>
+                            </a:effectRef>
+                            <a:fontRef idx="minor">
+                              <a:schemeClr val="tx1"/>
+                            </a:fontRef>
+                          </p:style>
+                        </p:cxnSp>
+                      </p:grpSp>
+                    </p:grpSp>
+                    <p:cxnSp>
+                      <p:nvCxnSpPr>
+                        <p:cNvPr id="62" name="Conector recto de flecha 61">
+                          <a:extLst>
+                            <a:ext uri="{FF2B5EF4-FFF2-40B4-BE49-F238E27FC236}">
+                              <a16:creationId xmlns:a16="http://schemas.microsoft.com/office/drawing/2014/main" id="{CB17F825-2FB0-40A8-8B8D-A3C91ACC63FF}"/>
+                            </a:ext>
+                          </a:extLst>
+                        </p:cNvPr>
+                        <p:cNvCxnSpPr>
+                          <a:cxnSpLocks/>
+                        </p:cNvCxnSpPr>
+                        <p:nvPr/>
+                      </p:nvCxnSpPr>
+                      <p:spPr>
+                        <a:xfrm rot="10800000" flipV="1">
+                          <a:off x="6419484" y="3926893"/>
+                          <a:ext cx="0" cy="591521"/>
+                        </a:xfrm>
+                        <a:prstGeom prst="straightConnector1">
+                          <a:avLst/>
+                        </a:prstGeom>
+                        <a:ln w="38100">
+                          <a:solidFill>
+                            <a:schemeClr val="tx1"/>
+                          </a:solidFill>
+                          <a:tailEnd type="triangle"/>
+                        </a:ln>
+                      </p:spPr>
+                      <p:style>
+                        <a:lnRef idx="1">
+                          <a:schemeClr val="accent1"/>
+                        </a:lnRef>
+                        <a:fillRef idx="0">
+                          <a:schemeClr val="accent1"/>
+                        </a:fillRef>
+                        <a:effectRef idx="0">
+                          <a:schemeClr val="accent1"/>
+                        </a:effectRef>
+                        <a:fontRef idx="minor">
+                          <a:schemeClr val="tx1"/>
+                        </a:fontRef>
+                      </p:style>
+                    </p:cxnSp>
+                  </p:grpSp>
                   <p:cxnSp>
                     <p:nvCxnSpPr>
-                      <p:cNvPr id="52" name="Conector recto de flecha 51">
+                      <p:cNvPr id="64" name="Conector recto de flecha 63">
                         <a:extLst>
                           <a:ext uri="{FF2B5EF4-FFF2-40B4-BE49-F238E27FC236}">
-                            <a16:creationId xmlns:a16="http://schemas.microsoft.com/office/drawing/2014/main" id="{1BAB83FD-1D9A-4A2C-B6BF-52D5CCEE7C1C}"/>
+                            <a16:creationId xmlns:a16="http://schemas.microsoft.com/office/drawing/2014/main" id="{11B376EE-1089-41D1-9B03-A29FC2558191}"/>
                           </a:ext>
                         </a:extLst>
                       </p:cNvPr>
@@ -4656,97 +4996,9 @@
                       <p:nvPr/>
                     </p:nvCxnSpPr>
                     <p:spPr>
-                      <a:xfrm>
-                        <a:off x="940059" y="4326936"/>
-                        <a:ext cx="578475" cy="0"/>
-                      </a:xfrm>
-                      <a:prstGeom prst="straightConnector1">
-                        <a:avLst/>
-                      </a:prstGeom>
-                      <a:ln w="38100">
-                        <a:solidFill>
-                          <a:schemeClr val="tx1"/>
-                        </a:solidFill>
-                        <a:tailEnd type="triangle"/>
-                      </a:ln>
-                    </p:spPr>
-                    <p:style>
-                      <a:lnRef idx="1">
-                        <a:schemeClr val="accent1"/>
-                      </a:lnRef>
-                      <a:fillRef idx="0">
-                        <a:schemeClr val="accent1"/>
-                      </a:fillRef>
-                      <a:effectRef idx="0">
-                        <a:schemeClr val="accent1"/>
-                      </a:effectRef>
-                      <a:fontRef idx="minor">
-                        <a:schemeClr val="tx1"/>
-                      </a:fontRef>
-                    </p:style>
-                  </p:cxnSp>
-                  <p:cxnSp>
-                    <p:nvCxnSpPr>
-                      <p:cNvPr id="55" name="Conector recto de flecha 54">
-                        <a:extLst>
-                          <a:ext uri="{FF2B5EF4-FFF2-40B4-BE49-F238E27FC236}">
-                            <a16:creationId xmlns:a16="http://schemas.microsoft.com/office/drawing/2014/main" id="{28BB03B6-5BDC-4A87-8EC8-87F51B690C30}"/>
-                          </a:ext>
-                        </a:extLst>
-                      </p:cNvPr>
-                      <p:cNvCxnSpPr>
-                        <a:cxnSpLocks/>
-                      </p:cNvCxnSpPr>
-                      <p:nvPr/>
-                    </p:nvCxnSpPr>
-                    <p:spPr>
-                      <a:xfrm>
-                        <a:off x="2389090" y="4333544"/>
-                        <a:ext cx="578475" cy="0"/>
-                      </a:xfrm>
-                      <a:prstGeom prst="straightConnector1">
-                        <a:avLst/>
-                      </a:prstGeom>
-                      <a:ln w="38100">
-                        <a:solidFill>
-                          <a:schemeClr val="tx1"/>
-                        </a:solidFill>
-                        <a:tailEnd type="triangle"/>
-                      </a:ln>
-                    </p:spPr>
-                    <p:style>
-                      <a:lnRef idx="1">
-                        <a:schemeClr val="accent1"/>
-                      </a:lnRef>
-                      <a:fillRef idx="0">
-                        <a:schemeClr val="accent1"/>
-                      </a:fillRef>
-                      <a:effectRef idx="0">
-                        <a:schemeClr val="accent1"/>
-                      </a:effectRef>
-                      <a:fontRef idx="minor">
-                        <a:schemeClr val="tx1"/>
-                      </a:fontRef>
-                    </p:style>
-                  </p:cxnSp>
-                  <p:cxnSp>
-                    <p:nvCxnSpPr>
-                      <p:cNvPr id="56" name="Conector recto de flecha 55">
-                        <a:extLst>
-                          <a:ext uri="{FF2B5EF4-FFF2-40B4-BE49-F238E27FC236}">
-                            <a16:creationId xmlns:a16="http://schemas.microsoft.com/office/drawing/2014/main" id="{32E4C17F-25A3-4B3A-9080-D249C58865C8}"/>
-                          </a:ext>
-                        </a:extLst>
-                      </p:cNvPr>
-                      <p:cNvCxnSpPr>
-                        <a:cxnSpLocks/>
-                      </p:cNvCxnSpPr>
-                      <p:nvPr/>
-                    </p:nvCxnSpPr>
-                    <p:spPr>
-                      <a:xfrm>
-                        <a:off x="4493326" y="4360894"/>
-                        <a:ext cx="578475" cy="0"/>
+                      <a:xfrm flipV="1">
+                        <a:off x="6798881" y="5053751"/>
+                        <a:ext cx="874778" cy="6608"/>
                       </a:xfrm>
                       <a:prstGeom prst="straightConnector1">
                         <a:avLst/>
@@ -4774,114 +5026,264 @@
                     </p:style>
                   </p:cxnSp>
                 </p:grpSp>
-                <p:grpSp>
-                  <p:nvGrpSpPr>
-                    <p:cNvPr id="60" name="Grupo 59">
+                <p:sp>
+                  <p:nvSpPr>
+                    <p:cNvPr id="68" name="CuadroTexto 67">
                       <a:extLst>
                         <a:ext uri="{FF2B5EF4-FFF2-40B4-BE49-F238E27FC236}">
-                          <a16:creationId xmlns:a16="http://schemas.microsoft.com/office/drawing/2014/main" id="{6267F050-1B4A-4965-9496-F091773547A6}"/>
+                          <a16:creationId xmlns:a16="http://schemas.microsoft.com/office/drawing/2014/main" id="{3DB7C216-53C6-4B03-B669-99778E639ACA}"/>
                         </a:ext>
                       </a:extLst>
                     </p:cNvPr>
-                    <p:cNvGrpSpPr/>
+                    <p:cNvSpPr txBox="1"/>
                     <p:nvPr/>
-                  </p:nvGrpSpPr>
-                  <p:grpSpPr>
+                  </p:nvSpPr>
+                  <p:spPr>
                     <a:xfrm>
-                      <a:off x="5518747" y="2278349"/>
-                      <a:ext cx="1185567" cy="2286718"/>
-                      <a:chOff x="5518747" y="2278349"/>
-                      <a:chExt cx="1185567" cy="2286718"/>
+                      <a:off x="1333810" y="4219373"/>
+                      <a:ext cx="1082351" cy="369332"/>
                     </a:xfrm>
-                  </p:grpSpPr>
-                  <p:pic>
-                    <p:nvPicPr>
-                      <p:cNvPr id="3" name="Imagen 2" descr="Imagen que contiene mobiliario&#10;&#10;Descripción generada automáticamente">
-                        <a:extLst>
-                          <a:ext uri="{FF2B5EF4-FFF2-40B4-BE49-F238E27FC236}">
-                            <a16:creationId xmlns:a16="http://schemas.microsoft.com/office/drawing/2014/main" id="{13D58C1F-6B74-46FA-9201-4767B7217530}"/>
-                          </a:ext>
-                        </a:extLst>
-                      </p:cNvPr>
-                      <p:cNvPicPr>
-                        <a:picLocks noChangeAspect="1"/>
-                      </p:cNvPicPr>
-                      <p:nvPr/>
-                    </p:nvPicPr>
-                    <p:blipFill>
-                      <a:blip r:embed="rId6">
-                        <a:extLst>
-                          <a:ext uri="{28A0092B-C50C-407E-A947-70E740481C1C}">
-                            <a14:useLocalDpi xmlns:a14="http://schemas.microsoft.com/office/drawing/2010/main" val="0"/>
-                          </a:ext>
-                        </a:extLst>
-                      </a:blip>
-                      <a:stretch>
-                        <a:fillRect/>
-                      </a:stretch>
-                    </p:blipFill>
-                    <p:spPr>
-                      <a:xfrm>
-                        <a:off x="5518747" y="2278349"/>
-                        <a:ext cx="1185567" cy="1667204"/>
-                      </a:xfrm>
-                      <a:prstGeom prst="rect">
-                        <a:avLst/>
-                      </a:prstGeom>
-                    </p:spPr>
-                  </p:pic>
-                  <p:cxnSp>
-                    <p:nvCxnSpPr>
-                      <p:cNvPr id="58" name="Conector recto de flecha 57">
-                        <a:extLst>
-                          <a:ext uri="{FF2B5EF4-FFF2-40B4-BE49-F238E27FC236}">
-                            <a16:creationId xmlns:a16="http://schemas.microsoft.com/office/drawing/2014/main" id="{81A84FA0-F194-4215-BD8F-890C09B92737}"/>
-                          </a:ext>
-                        </a:extLst>
-                      </p:cNvPr>
-                      <p:cNvCxnSpPr>
-                        <a:cxnSpLocks/>
-                      </p:cNvCxnSpPr>
-                      <p:nvPr/>
-                    </p:nvCxnSpPr>
-                    <p:spPr>
-                      <a:xfrm flipV="1">
-                        <a:off x="5651264" y="3973546"/>
-                        <a:ext cx="0" cy="591521"/>
-                      </a:xfrm>
-                      <a:prstGeom prst="straightConnector1">
-                        <a:avLst/>
-                      </a:prstGeom>
-                      <a:ln w="38100">
-                        <a:solidFill>
-                          <a:schemeClr val="tx1"/>
-                        </a:solidFill>
-                        <a:tailEnd type="triangle"/>
-                      </a:ln>
-                    </p:spPr>
-                    <p:style>
-                      <a:lnRef idx="1">
-                        <a:schemeClr val="accent1"/>
-                      </a:lnRef>
-                      <a:fillRef idx="0">
-                        <a:schemeClr val="accent1"/>
-                      </a:fillRef>
-                      <a:effectRef idx="0">
-                        <a:schemeClr val="accent1"/>
-                      </a:effectRef>
-                      <a:fontRef idx="minor">
-                        <a:schemeClr val="tx1"/>
-                      </a:fontRef>
-                    </p:style>
-                  </p:cxnSp>
-                </p:grpSp>
+                    <a:prstGeom prst="rect">
+                      <a:avLst/>
+                    </a:prstGeom>
+                    <a:noFill/>
+                  </p:spPr>
+                  <p:txBody>
+                    <a:bodyPr wrap="square" rtlCol="0">
+                      <a:spAutoFit/>
+                    </a:bodyPr>
+                    <a:lstStyle/>
+                    <a:p>
+                      <a:r>
+                        <a:rPr lang="es-ES" dirty="0"/>
+                        <a:t>Pulsador</a:t>
+                      </a:r>
+                    </a:p>
+                  </p:txBody>
+                </p:sp>
+                <p:sp>
+                  <p:nvSpPr>
+                    <p:cNvPr id="69" name="CuadroTexto 68">
+                      <a:extLst>
+                        <a:ext uri="{FF2B5EF4-FFF2-40B4-BE49-F238E27FC236}">
+                          <a16:creationId xmlns:a16="http://schemas.microsoft.com/office/drawing/2014/main" id="{0E7F8E3B-8047-4009-8C71-512A3EB39F93}"/>
+                        </a:ext>
+                      </a:extLst>
+                    </p:cNvPr>
+                    <p:cNvSpPr txBox="1"/>
+                    <p:nvPr/>
+                  </p:nvSpPr>
+                  <p:spPr>
+                    <a:xfrm>
+                      <a:off x="2215770" y="3544156"/>
+                      <a:ext cx="1959425" cy="369332"/>
+                    </a:xfrm>
+                    <a:prstGeom prst="rect">
+                      <a:avLst/>
+                    </a:prstGeom>
+                    <a:noFill/>
+                  </p:spPr>
+                  <p:txBody>
+                    <a:bodyPr wrap="square" rtlCol="0">
+                      <a:spAutoFit/>
+                    </a:bodyPr>
+                    <a:lstStyle/>
+                    <a:p>
+                      <a:r>
+                        <a:rPr lang="es-ES" dirty="0"/>
+                        <a:t>MUX 16 canales</a:t>
+                      </a:r>
+                    </a:p>
+                  </p:txBody>
+                </p:sp>
+                <p:sp>
+                  <p:nvSpPr>
+                    <p:cNvPr id="70" name="CuadroTexto 69">
+                      <a:extLst>
+                        <a:ext uri="{FF2B5EF4-FFF2-40B4-BE49-F238E27FC236}">
+                          <a16:creationId xmlns:a16="http://schemas.microsoft.com/office/drawing/2014/main" id="{AC4807A6-5760-4C4F-BD39-7A79A43C69A2}"/>
+                        </a:ext>
+                      </a:extLst>
+                    </p:cNvPr>
+                    <p:cNvSpPr txBox="1"/>
+                    <p:nvPr/>
+                  </p:nvSpPr>
+                  <p:spPr>
+                    <a:xfrm>
+                      <a:off x="4422614" y="3913488"/>
+                      <a:ext cx="1291495" cy="369332"/>
+                    </a:xfrm>
+                    <a:prstGeom prst="rect">
+                      <a:avLst/>
+                    </a:prstGeom>
+                    <a:noFill/>
+                  </p:spPr>
+                  <p:txBody>
+                    <a:bodyPr wrap="square" rtlCol="0">
+                      <a:spAutoFit/>
+                    </a:bodyPr>
+                    <a:lstStyle/>
+                    <a:p>
+                      <a:r>
+                        <a:rPr lang="es-ES" dirty="0"/>
+                        <a:t>Arduino</a:t>
+                      </a:r>
+                    </a:p>
+                  </p:txBody>
+                </p:sp>
+                <p:sp>
+                  <p:nvSpPr>
+                    <p:cNvPr id="71" name="CuadroTexto 70">
+                      <a:extLst>
+                        <a:ext uri="{FF2B5EF4-FFF2-40B4-BE49-F238E27FC236}">
+                          <a16:creationId xmlns:a16="http://schemas.microsoft.com/office/drawing/2014/main" id="{187DE199-2723-4913-B253-C5DE75F7C906}"/>
+                        </a:ext>
+                      </a:extLst>
+                    </p:cNvPr>
+                    <p:cNvSpPr txBox="1"/>
+                    <p:nvPr/>
+                  </p:nvSpPr>
+                  <p:spPr>
+                    <a:xfrm>
+                      <a:off x="6555183" y="5675366"/>
+                      <a:ext cx="1505006" cy="646331"/>
+                    </a:xfrm>
+                    <a:prstGeom prst="rect">
+                      <a:avLst/>
+                    </a:prstGeom>
+                    <a:noFill/>
+                  </p:spPr>
+                  <p:txBody>
+                    <a:bodyPr wrap="square" rtlCol="0">
+                      <a:spAutoFit/>
+                    </a:bodyPr>
+                    <a:lstStyle/>
+                    <a:p>
+                      <a:r>
+                        <a:rPr lang="es-ES" dirty="0"/>
+                        <a:t>ESP8266 </a:t>
+                      </a:r>
+                      <a:r>
+                        <a:rPr lang="es-ES" dirty="0" err="1"/>
+                        <a:t>nodeMCU</a:t>
+                      </a:r>
+                      <a:endParaRPr lang="es-ES" dirty="0"/>
+                    </a:p>
+                  </p:txBody>
+                </p:sp>
+                <p:sp>
+                  <p:nvSpPr>
+                    <p:cNvPr id="72" name="CuadroTexto 71">
+                      <a:extLst>
+                        <a:ext uri="{FF2B5EF4-FFF2-40B4-BE49-F238E27FC236}">
+                          <a16:creationId xmlns:a16="http://schemas.microsoft.com/office/drawing/2014/main" id="{26309390-049A-4587-BCCE-6D88F976C7E0}"/>
+                        </a:ext>
+                      </a:extLst>
+                    </p:cNvPr>
+                    <p:cNvSpPr txBox="1"/>
+                    <p:nvPr/>
+                  </p:nvSpPr>
+                  <p:spPr>
+                    <a:xfrm>
+                      <a:off x="7740750" y="2622335"/>
+                      <a:ext cx="927753" cy="369332"/>
+                    </a:xfrm>
+                    <a:prstGeom prst="rect">
+                      <a:avLst/>
+                    </a:prstGeom>
+                    <a:noFill/>
+                  </p:spPr>
+                  <p:txBody>
+                    <a:bodyPr wrap="square" rtlCol="0">
+                      <a:spAutoFit/>
+                    </a:bodyPr>
+                    <a:lstStyle/>
+                    <a:p>
+                      <a:r>
+                        <a:rPr lang="es-ES" dirty="0"/>
+                        <a:t>Server</a:t>
+                      </a:r>
+                    </a:p>
+                  </p:txBody>
+                </p:sp>
+                <p:sp>
+                  <p:nvSpPr>
+                    <p:cNvPr id="73" name="CuadroTexto 72">
+                      <a:extLst>
+                        <a:ext uri="{FF2B5EF4-FFF2-40B4-BE49-F238E27FC236}">
+                          <a16:creationId xmlns:a16="http://schemas.microsoft.com/office/drawing/2014/main" id="{5899770D-F5FD-48FD-A204-1DB6F72910AE}"/>
+                        </a:ext>
+                      </a:extLst>
+                    </p:cNvPr>
+                    <p:cNvSpPr txBox="1"/>
+                    <p:nvPr/>
+                  </p:nvSpPr>
+                  <p:spPr>
+                    <a:xfrm>
+                      <a:off x="9542092" y="4073364"/>
+                      <a:ext cx="692271" cy="369332"/>
+                    </a:xfrm>
+                    <a:prstGeom prst="rect">
+                      <a:avLst/>
+                    </a:prstGeom>
+                    <a:noFill/>
+                  </p:spPr>
+                  <p:txBody>
+                    <a:bodyPr wrap="square" rtlCol="0">
+                      <a:spAutoFit/>
+                    </a:bodyPr>
+                    <a:lstStyle/>
+                    <a:p>
+                      <a:r>
+                        <a:rPr lang="es-ES" dirty="0"/>
+                        <a:t>LCD</a:t>
+                      </a:r>
+                    </a:p>
+                  </p:txBody>
+                </p:sp>
               </p:grpSp>
+              <p:pic>
+                <p:nvPicPr>
+                  <p:cNvPr id="82" name="Imagen 81" descr="Imagen que contiene copa, café, vasija&#10;&#10;Descripción generada automáticamente">
+                    <a:extLst>
+                      <a:ext uri="{FF2B5EF4-FFF2-40B4-BE49-F238E27FC236}">
+                        <a16:creationId xmlns:a16="http://schemas.microsoft.com/office/drawing/2014/main" id="{2F61B890-6954-4CA6-9F87-5D028F444DDF}"/>
+                      </a:ext>
+                    </a:extLst>
+                  </p:cNvPr>
+                  <p:cNvPicPr>
+                    <a:picLocks noChangeAspect="1"/>
+                  </p:cNvPicPr>
+                  <p:nvPr/>
+                </p:nvPicPr>
+                <p:blipFill>
+                  <a:blip r:embed="rId7">
+                    <a:extLst>
+                      <a:ext uri="{28A0092B-C50C-407E-A947-70E740481C1C}">
+                        <a14:useLocalDpi xmlns:a14="http://schemas.microsoft.com/office/drawing/2010/main" val="0"/>
+                      </a:ext>
+                    </a:extLst>
+                  </a:blip>
+                  <a:stretch>
+                    <a:fillRect/>
+                  </a:stretch>
+                </p:blipFill>
+                <p:spPr>
+                  <a:xfrm>
+                    <a:off x="3999718" y="2133616"/>
+                    <a:ext cx="1490140" cy="1490140"/>
+                  </a:xfrm>
+                  <a:prstGeom prst="rect">
+                    <a:avLst/>
+                  </a:prstGeom>
+                </p:spPr>
+              </p:pic>
               <p:cxnSp>
                 <p:nvCxnSpPr>
-                  <p:cNvPr id="62" name="Conector recto de flecha 61">
+                  <p:cNvPr id="83" name="Conector recto de flecha 82">
                     <a:extLst>
                       <a:ext uri="{FF2B5EF4-FFF2-40B4-BE49-F238E27FC236}">
-                        <a16:creationId xmlns:a16="http://schemas.microsoft.com/office/drawing/2014/main" id="{CB17F825-2FB0-40A8-8B8D-A3C91ACC63FF}"/>
+                        <a16:creationId xmlns:a16="http://schemas.microsoft.com/office/drawing/2014/main" id="{322CF06C-F23B-4D92-B25B-8A43768B3E77}"/>
                       </a:ext>
                     </a:extLst>
                   </p:cNvPr>
@@ -4891,9 +5293,9 @@
                   <p:nvPr/>
                 </p:nvCxnSpPr>
                 <p:spPr>
-                  <a:xfrm rot="10800000" flipV="1">
-                    <a:off x="6419484" y="3926893"/>
-                    <a:ext cx="0" cy="591521"/>
+                  <a:xfrm flipH="1">
+                    <a:off x="5360762" y="2991667"/>
+                    <a:ext cx="1106865" cy="0"/>
                   </a:xfrm>
                   <a:prstGeom prst="straightConnector1">
                     <a:avLst/>
@@ -4920,354 +5322,165 @@
                   </a:fontRef>
                 </p:style>
               </p:cxnSp>
+              <p:sp>
+                <p:nvSpPr>
+                  <p:cNvPr id="85" name="CuadroTexto 84">
+                    <a:extLst>
+                      <a:ext uri="{FF2B5EF4-FFF2-40B4-BE49-F238E27FC236}">
+                        <a16:creationId xmlns:a16="http://schemas.microsoft.com/office/drawing/2014/main" id="{FCF54BDB-3A92-46DC-898A-67837DC3FF71}"/>
+                      </a:ext>
+                    </a:extLst>
+                  </p:cNvPr>
+                  <p:cNvSpPr txBox="1"/>
+                  <p:nvPr/>
+                </p:nvSpPr>
+                <p:spPr>
+                  <a:xfrm>
+                    <a:off x="3245156" y="2608093"/>
+                    <a:ext cx="1079517" cy="646331"/>
+                  </a:xfrm>
+                  <a:prstGeom prst="rect">
+                    <a:avLst/>
+                  </a:prstGeom>
+                  <a:noFill/>
+                </p:spPr>
+                <p:txBody>
+                  <a:bodyPr wrap="square" rtlCol="0">
+                    <a:spAutoFit/>
+                  </a:bodyPr>
+                  <a:lstStyle/>
+                  <a:p>
+                    <a:r>
+                      <a:rPr lang="es-ES" dirty="0"/>
+                      <a:t>Base de datos</a:t>
+                    </a:r>
+                  </a:p>
+                </p:txBody>
+              </p:sp>
             </p:grpSp>
-            <p:cxnSp>
-              <p:nvCxnSpPr>
-                <p:cNvPr id="64" name="Conector recto de flecha 63">
+            <p:pic>
+              <p:nvPicPr>
+                <p:cNvPr id="6" name="Imagen 5" descr="Imagen que contiene electrónica, circuito&#10;&#10;Descripción generada automáticamente">
                   <a:extLst>
                     <a:ext uri="{FF2B5EF4-FFF2-40B4-BE49-F238E27FC236}">
-                      <a16:creationId xmlns:a16="http://schemas.microsoft.com/office/drawing/2014/main" id="{11B376EE-1089-41D1-9B03-A29FC2558191}"/>
+                      <a16:creationId xmlns:a16="http://schemas.microsoft.com/office/drawing/2014/main" id="{7D6705BF-03A5-4EC6-87B5-10090A94E241}"/>
                     </a:ext>
                   </a:extLst>
                 </p:cNvPr>
-                <p:cNvCxnSpPr>
-                  <a:cxnSpLocks/>
-                </p:cNvCxnSpPr>
+                <p:cNvPicPr>
+                  <a:picLocks noChangeAspect="1"/>
+                </p:cNvPicPr>
                 <p:nvPr/>
-              </p:nvCxnSpPr>
+              </p:nvPicPr>
+              <p:blipFill>
+                <a:blip r:embed="rId8">
+                  <a:extLst>
+                    <a:ext uri="{28A0092B-C50C-407E-A947-70E740481C1C}">
+                      <a14:useLocalDpi xmlns:a14="http://schemas.microsoft.com/office/drawing/2010/main" val="0"/>
+                    </a:ext>
+                  </a:extLst>
+                </a:blip>
+                <a:stretch>
+                  <a:fillRect/>
+                </a:stretch>
+              </p:blipFill>
               <p:spPr>
-                <a:xfrm flipV="1">
-                  <a:off x="6798881" y="5053751"/>
-                  <a:ext cx="874778" cy="6608"/>
+                <a:xfrm>
+                  <a:off x="6467627" y="4404039"/>
+                  <a:ext cx="1291495" cy="1291495"/>
                 </a:xfrm>
-                <a:prstGeom prst="straightConnector1">
+                <a:prstGeom prst="rect">
                   <a:avLst/>
                 </a:prstGeom>
-                <a:ln w="38100">
-                  <a:solidFill>
-                    <a:schemeClr val="tx1"/>
-                  </a:solidFill>
-                  <a:tailEnd type="triangle"/>
-                </a:ln>
               </p:spPr>
-              <p:style>
-                <a:lnRef idx="1">
-                  <a:schemeClr val="accent1"/>
-                </a:lnRef>
-                <a:fillRef idx="0">
-                  <a:schemeClr val="accent1"/>
-                </a:fillRef>
-                <a:effectRef idx="0">
-                  <a:schemeClr val="accent1"/>
-                </a:effectRef>
-                <a:fontRef idx="minor">
-                  <a:schemeClr val="tx1"/>
-                </a:fontRef>
-              </p:style>
-            </p:cxnSp>
+            </p:pic>
           </p:grpSp>
-          <p:sp>
-            <p:nvSpPr>
-              <p:cNvPr id="68" name="CuadroTexto 67">
+          <p:pic>
+            <p:nvPicPr>
+              <p:cNvPr id="4" name="Imagen 3" descr="Imagen que contiene electrónica, circuito&#10;&#10;Descripción generada automáticamente">
                 <a:extLst>
                   <a:ext uri="{FF2B5EF4-FFF2-40B4-BE49-F238E27FC236}">
-                    <a16:creationId xmlns:a16="http://schemas.microsoft.com/office/drawing/2014/main" id="{3DB7C216-53C6-4B03-B669-99778E639ACA}"/>
+                    <a16:creationId xmlns:a16="http://schemas.microsoft.com/office/drawing/2014/main" id="{A998BA8D-31DA-48CC-B237-CD0C16A7850A}"/>
                   </a:ext>
                 </a:extLst>
               </p:cNvPr>
-              <p:cNvSpPr txBox="1"/>
+              <p:cNvPicPr>
+                <a:picLocks noChangeAspect="1"/>
+              </p:cNvPicPr>
               <p:nvPr/>
-            </p:nvSpPr>
+            </p:nvPicPr>
+            <p:blipFill rotWithShape="1">
+              <a:blip r:embed="rId9">
+                <a:extLst>
+                  <a:ext uri="{28A0092B-C50C-407E-A947-70E740481C1C}">
+                    <a14:useLocalDpi xmlns:a14="http://schemas.microsoft.com/office/drawing/2010/main" val="0"/>
+                  </a:ext>
+                </a:extLst>
+              </a:blip>
+              <a:srcRect l="7873" t="8394" r="9218" b="11278"/>
+              <a:stretch/>
+            </p:blipFill>
             <p:spPr>
               <a:xfrm>
-                <a:off x="1333810" y="4219373"/>
-                <a:ext cx="1082351" cy="369332"/>
+                <a:off x="3924299" y="4151395"/>
+                <a:ext cx="2171700" cy="1400175"/>
               </a:xfrm>
               <a:prstGeom prst="rect">
                 <a:avLst/>
               </a:prstGeom>
-              <a:noFill/>
             </p:spPr>
-            <p:txBody>
-              <a:bodyPr wrap="square" rtlCol="0">
-                <a:spAutoFit/>
-              </a:bodyPr>
-              <a:lstStyle/>
-              <a:p>
-                <a:r>
-                  <a:rPr lang="es-ES" dirty="0"/>
-                  <a:t>Pulsador</a:t>
-                </a:r>
-              </a:p>
-            </p:txBody>
-          </p:sp>
-          <p:sp>
-            <p:nvSpPr>
-              <p:cNvPr id="69" name="CuadroTexto 68">
+          </p:pic>
+          <p:cxnSp>
+            <p:nvCxnSpPr>
+              <p:cNvPr id="39" name="Conector recto de flecha 38">
                 <a:extLst>
                   <a:ext uri="{FF2B5EF4-FFF2-40B4-BE49-F238E27FC236}">
-                    <a16:creationId xmlns:a16="http://schemas.microsoft.com/office/drawing/2014/main" id="{0E7F8E3B-8047-4009-8C71-512A3EB39F93}"/>
+                    <a16:creationId xmlns:a16="http://schemas.microsoft.com/office/drawing/2014/main" id="{108B6EE2-5599-435E-BCDB-AC0FBCC11C6D}"/>
                   </a:ext>
                 </a:extLst>
               </p:cNvPr>
-              <p:cNvSpPr txBox="1"/>
+              <p:cNvCxnSpPr>
+                <a:cxnSpLocks/>
+              </p:cNvCxnSpPr>
               <p:nvPr/>
-            </p:nvSpPr>
+            </p:nvCxnSpPr>
             <p:spPr>
-              <a:xfrm>
-                <a:off x="2215770" y="3544156"/>
-                <a:ext cx="1959425" cy="369332"/>
+              <a:xfrm rot="5400000" flipV="1">
+                <a:off x="4554555" y="3575877"/>
+                <a:ext cx="874778" cy="6608"/>
               </a:xfrm>
-              <a:prstGeom prst="rect">
+              <a:prstGeom prst="straightConnector1">
                 <a:avLst/>
               </a:prstGeom>
-              <a:noFill/>
+              <a:ln w="38100">
+                <a:solidFill>
+                  <a:schemeClr val="tx1"/>
+                </a:solidFill>
+                <a:tailEnd type="triangle"/>
+              </a:ln>
             </p:spPr>
-            <p:txBody>
-              <a:bodyPr wrap="square" rtlCol="0">
-                <a:spAutoFit/>
-              </a:bodyPr>
-              <a:lstStyle/>
-              <a:p>
-                <a:r>
-                  <a:rPr lang="es-ES" dirty="0"/>
-                  <a:t>MUX 16 canales</a:t>
-                </a:r>
-              </a:p>
-            </p:txBody>
-          </p:sp>
-          <p:sp>
-            <p:nvSpPr>
-              <p:cNvPr id="70" name="CuadroTexto 69">
-                <a:extLst>
-                  <a:ext uri="{FF2B5EF4-FFF2-40B4-BE49-F238E27FC236}">
-                    <a16:creationId xmlns:a16="http://schemas.microsoft.com/office/drawing/2014/main" id="{AC4807A6-5760-4C4F-BD39-7A79A43C69A2}"/>
-                  </a:ext>
-                </a:extLst>
-              </p:cNvPr>
-              <p:cNvSpPr txBox="1"/>
-              <p:nvPr/>
-            </p:nvSpPr>
-            <p:spPr>
-              <a:xfrm>
-                <a:off x="4422614" y="3913488"/>
-                <a:ext cx="1291495" cy="369332"/>
-              </a:xfrm>
-              <a:prstGeom prst="rect">
-                <a:avLst/>
-              </a:prstGeom>
-              <a:noFill/>
-            </p:spPr>
-            <p:txBody>
-              <a:bodyPr wrap="square" rtlCol="0">
-                <a:spAutoFit/>
-              </a:bodyPr>
-              <a:lstStyle/>
-              <a:p>
-                <a:r>
-                  <a:rPr lang="es-ES" dirty="0"/>
-                  <a:t>Arduino</a:t>
-                </a:r>
-              </a:p>
-            </p:txBody>
-          </p:sp>
-          <p:sp>
-            <p:nvSpPr>
-              <p:cNvPr id="71" name="CuadroTexto 70">
-                <a:extLst>
-                  <a:ext uri="{FF2B5EF4-FFF2-40B4-BE49-F238E27FC236}">
-                    <a16:creationId xmlns:a16="http://schemas.microsoft.com/office/drawing/2014/main" id="{187DE199-2723-4913-B253-C5DE75F7C906}"/>
-                  </a:ext>
-                </a:extLst>
-              </p:cNvPr>
-              <p:cNvSpPr txBox="1"/>
-              <p:nvPr/>
-            </p:nvSpPr>
-            <p:spPr>
-              <a:xfrm>
-                <a:off x="6555183" y="5675366"/>
-                <a:ext cx="1505006" cy="646331"/>
-              </a:xfrm>
-              <a:prstGeom prst="rect">
-                <a:avLst/>
-              </a:prstGeom>
-              <a:noFill/>
-            </p:spPr>
-            <p:txBody>
-              <a:bodyPr wrap="square" rtlCol="0">
-                <a:spAutoFit/>
-              </a:bodyPr>
-              <a:lstStyle/>
-              <a:p>
-                <a:r>
-                  <a:rPr lang="es-ES" dirty="0"/>
-                  <a:t>ESP8266 </a:t>
-                </a:r>
-                <a:r>
-                  <a:rPr lang="es-ES" dirty="0" err="1"/>
-                  <a:t>nodeMCU</a:t>
-                </a:r>
-                <a:endParaRPr lang="es-ES" dirty="0"/>
-              </a:p>
-            </p:txBody>
-          </p:sp>
-          <p:sp>
-            <p:nvSpPr>
-              <p:cNvPr id="72" name="CuadroTexto 71">
-                <a:extLst>
-                  <a:ext uri="{FF2B5EF4-FFF2-40B4-BE49-F238E27FC236}">
-                    <a16:creationId xmlns:a16="http://schemas.microsoft.com/office/drawing/2014/main" id="{26309390-049A-4587-BCCE-6D88F976C7E0}"/>
-                  </a:ext>
-                </a:extLst>
-              </p:cNvPr>
-              <p:cNvSpPr txBox="1"/>
-              <p:nvPr/>
-            </p:nvSpPr>
-            <p:spPr>
-              <a:xfrm>
-                <a:off x="7740750" y="2622335"/>
-                <a:ext cx="927753" cy="369332"/>
-              </a:xfrm>
-              <a:prstGeom prst="rect">
-                <a:avLst/>
-              </a:prstGeom>
-              <a:noFill/>
-            </p:spPr>
-            <p:txBody>
-              <a:bodyPr wrap="square" rtlCol="0">
-                <a:spAutoFit/>
-              </a:bodyPr>
-              <a:lstStyle/>
-              <a:p>
-                <a:r>
-                  <a:rPr lang="es-ES" dirty="0"/>
-                  <a:t>Server</a:t>
-                </a:r>
-              </a:p>
-            </p:txBody>
-          </p:sp>
-          <p:sp>
-            <p:nvSpPr>
-              <p:cNvPr id="73" name="CuadroTexto 72">
-                <a:extLst>
-                  <a:ext uri="{FF2B5EF4-FFF2-40B4-BE49-F238E27FC236}">
-                    <a16:creationId xmlns:a16="http://schemas.microsoft.com/office/drawing/2014/main" id="{5899770D-F5FD-48FD-A204-1DB6F72910AE}"/>
-                  </a:ext>
-                </a:extLst>
-              </p:cNvPr>
-              <p:cNvSpPr txBox="1"/>
-              <p:nvPr/>
-            </p:nvSpPr>
-            <p:spPr>
-              <a:xfrm>
-                <a:off x="9542092" y="4073364"/>
-                <a:ext cx="692271" cy="369332"/>
-              </a:xfrm>
-              <a:prstGeom prst="rect">
-                <a:avLst/>
-              </a:prstGeom>
-              <a:noFill/>
-            </p:spPr>
-            <p:txBody>
-              <a:bodyPr wrap="square" rtlCol="0">
-                <a:spAutoFit/>
-              </a:bodyPr>
-              <a:lstStyle/>
-              <a:p>
-                <a:r>
-                  <a:rPr lang="es-ES" dirty="0"/>
-                  <a:t>LCD</a:t>
-                </a:r>
-              </a:p>
-            </p:txBody>
-          </p:sp>
+            <p:style>
+              <a:lnRef idx="1">
+                <a:schemeClr val="accent1"/>
+              </a:lnRef>
+              <a:fillRef idx="0">
+                <a:schemeClr val="accent1"/>
+              </a:fillRef>
+              <a:effectRef idx="0">
+                <a:schemeClr val="accent1"/>
+              </a:effectRef>
+              <a:fontRef idx="minor">
+                <a:schemeClr val="tx1"/>
+              </a:fontRef>
+            </p:style>
+          </p:cxnSp>
         </p:grpSp>
-        <p:pic>
-          <p:nvPicPr>
-            <p:cNvPr id="82" name="Imagen 81" descr="Imagen que contiene copa, café, vasija&#10;&#10;Descripción generada automáticamente">
+        <p:sp>
+          <p:nvSpPr>
+            <p:cNvPr id="40" name="CuadroTexto 39">
               <a:extLst>
                 <a:ext uri="{FF2B5EF4-FFF2-40B4-BE49-F238E27FC236}">
-                  <a16:creationId xmlns:a16="http://schemas.microsoft.com/office/drawing/2014/main" id="{2F61B890-6954-4CA6-9F87-5D028F444DDF}"/>
-                </a:ext>
-              </a:extLst>
-            </p:cNvPr>
-            <p:cNvPicPr>
-              <a:picLocks noChangeAspect="1"/>
-            </p:cNvPicPr>
-            <p:nvPr/>
-          </p:nvPicPr>
-          <p:blipFill>
-            <a:blip r:embed="rId7">
-              <a:extLst>
-                <a:ext uri="{28A0092B-C50C-407E-A947-70E740481C1C}">
-                  <a14:useLocalDpi xmlns:a14="http://schemas.microsoft.com/office/drawing/2010/main" val="0"/>
-                </a:ext>
-              </a:extLst>
-            </a:blip>
-            <a:stretch>
-              <a:fillRect/>
-            </a:stretch>
-          </p:blipFill>
-          <p:spPr>
-            <a:xfrm>
-              <a:off x="3999718" y="2133616"/>
-              <a:ext cx="1490140" cy="1490140"/>
-            </a:xfrm>
-            <a:prstGeom prst="rect">
-              <a:avLst/>
-            </a:prstGeom>
-          </p:spPr>
-        </p:pic>
-        <p:cxnSp>
-          <p:nvCxnSpPr>
-            <p:cNvPr id="83" name="Conector recto de flecha 82">
-              <a:extLst>
-                <a:ext uri="{FF2B5EF4-FFF2-40B4-BE49-F238E27FC236}">
-                  <a16:creationId xmlns:a16="http://schemas.microsoft.com/office/drawing/2014/main" id="{322CF06C-F23B-4D92-B25B-8A43768B3E77}"/>
-                </a:ext>
-              </a:extLst>
-            </p:cNvPr>
-            <p:cNvCxnSpPr>
-              <a:cxnSpLocks/>
-            </p:cNvCxnSpPr>
-            <p:nvPr/>
-          </p:nvCxnSpPr>
-          <p:spPr>
-            <a:xfrm flipH="1">
-              <a:off x="5360762" y="2991667"/>
-              <a:ext cx="1106865" cy="0"/>
-            </a:xfrm>
-            <a:prstGeom prst="straightConnector1">
-              <a:avLst/>
-            </a:prstGeom>
-            <a:ln w="38100">
-              <a:solidFill>
-                <a:schemeClr val="tx1"/>
-              </a:solidFill>
-              <a:tailEnd type="triangle"/>
-            </a:ln>
-          </p:spPr>
-          <p:style>
-            <a:lnRef idx="1">
-              <a:schemeClr val="accent1"/>
-            </a:lnRef>
-            <a:fillRef idx="0">
-              <a:schemeClr val="accent1"/>
-            </a:fillRef>
-            <a:effectRef idx="0">
-              <a:schemeClr val="accent1"/>
-            </a:effectRef>
-            <a:fontRef idx="minor">
-              <a:schemeClr val="tx1"/>
-            </a:fontRef>
-          </p:style>
-        </p:cxnSp>
-        <p:sp>
-          <p:nvSpPr>
-            <p:cNvPr id="85" name="CuadroTexto 84">
-              <a:extLst>
-                <a:ext uri="{FF2B5EF4-FFF2-40B4-BE49-F238E27FC236}">
-                  <a16:creationId xmlns:a16="http://schemas.microsoft.com/office/drawing/2014/main" id="{FCF54BDB-3A92-46DC-898A-67837DC3FF71}"/>
+                  <a16:creationId xmlns:a16="http://schemas.microsoft.com/office/drawing/2014/main" id="{AAD0205E-49AC-47D1-B954-ED7923FCB3B2}"/>
                 </a:ext>
               </a:extLst>
             </p:cNvPr>
@@ -5276,8 +5489,8 @@
           </p:nvSpPr>
           <p:spPr>
             <a:xfrm>
-              <a:off x="3245156" y="2608093"/>
-              <a:ext cx="1079517" cy="646331"/>
+              <a:off x="6112839" y="4534435"/>
+              <a:ext cx="1505006" cy="646331"/>
             </a:xfrm>
             <a:prstGeom prst="rect">
               <a:avLst/>
@@ -5292,48 +5505,20 @@
             <a:p>
               <a:r>
                 <a:rPr lang="es-ES" dirty="0"/>
-                <a:t>Base de datos</a:t>
+                <a:t>Raspberry 3 </a:t>
+              </a:r>
+              <a:r>
+                <a:rPr lang="es-ES" dirty="0" err="1"/>
+                <a:t>model</a:t>
+              </a:r>
+              <a:r>
+                <a:rPr lang="es-ES" dirty="0"/>
+                <a:t> B+</a:t>
               </a:r>
             </a:p>
           </p:txBody>
         </p:sp>
       </p:grpSp>
-      <p:pic>
-        <p:nvPicPr>
-          <p:cNvPr id="6" name="Imagen 5" descr="Imagen que contiene electrónica, circuito&#10;&#10;Descripción generada automáticamente">
-            <a:extLst>
-              <a:ext uri="{FF2B5EF4-FFF2-40B4-BE49-F238E27FC236}">
-                <a16:creationId xmlns:a16="http://schemas.microsoft.com/office/drawing/2014/main" id="{7D6705BF-03A5-4EC6-87B5-10090A94E241}"/>
-              </a:ext>
-            </a:extLst>
-          </p:cNvPr>
-          <p:cNvPicPr>
-            <a:picLocks noChangeAspect="1"/>
-          </p:cNvPicPr>
-          <p:nvPr/>
-        </p:nvPicPr>
-        <p:blipFill>
-          <a:blip r:embed="rId8">
-            <a:extLst>
-              <a:ext uri="{28A0092B-C50C-407E-A947-70E740481C1C}">
-                <a14:useLocalDpi xmlns:a14="http://schemas.microsoft.com/office/drawing/2010/main" val="0"/>
-              </a:ext>
-            </a:extLst>
-          </a:blip>
-          <a:stretch>
-            <a:fillRect/>
-          </a:stretch>
-        </p:blipFill>
-        <p:spPr>
-          <a:xfrm>
-            <a:off x="6467627" y="4404039"/>
-            <a:ext cx="1291495" cy="1291495"/>
-          </a:xfrm>
-          <a:prstGeom prst="rect">
-            <a:avLst/>
-          </a:prstGeom>
-        </p:spPr>
-      </p:pic>
     </p:spTree>
     <p:extLst>
       <p:ext uri="{BB962C8B-B14F-4D97-AF65-F5344CB8AC3E}">
